--- a/sketchbook.pptx
+++ b/sketchbook.pptx
@@ -8,6 +8,7 @@
     <p:sldId id="256" r:id="rId2"/>
     <p:sldId id="258" r:id="rId3"/>
     <p:sldId id="257" r:id="rId4"/>
+    <p:sldId id="259" r:id="rId5"/>
   </p:sldIdLst>
   <p:sldSz cx="12192000" cy="6858000"/>
   <p:notesSz cx="6858000" cy="9144000"/>
@@ -106,6 +107,11 @@
       </a:defRPr>
     </a:lvl9pPr>
   </p:defaultTextStyle>
+  <p:extLst>
+    <p:ext uri="{EFAFB233-063F-42B5-8137-9DF3F51BA10A}">
+      <p15:sldGuideLst xmlns:p15="http://schemas.microsoft.com/office/powerpoint/2012/main"/>
+    </p:ext>
+  </p:extLst>
 </p:presentation>
 </file>
 
@@ -256,7 +262,7 @@
           <a:p>
             <a:fld id="{EC412541-AC93-7543-A5B1-0051797D0F3F}" type="datetimeFigureOut">
               <a:rPr lang="en-US" smtClean="0"/>
-              <a:t>2/11/24</a:t>
+              <a:t>2/12/24</a:t>
             </a:fld>
             <a:endParaRPr lang="en-US"/>
           </a:p>
@@ -454,7 +460,7 @@
           <a:p>
             <a:fld id="{EC412541-AC93-7543-A5B1-0051797D0F3F}" type="datetimeFigureOut">
               <a:rPr lang="en-US" smtClean="0"/>
-              <a:t>2/11/24</a:t>
+              <a:t>2/12/24</a:t>
             </a:fld>
             <a:endParaRPr lang="en-US"/>
           </a:p>
@@ -662,7 +668,7 @@
           <a:p>
             <a:fld id="{EC412541-AC93-7543-A5B1-0051797D0F3F}" type="datetimeFigureOut">
               <a:rPr lang="en-US" smtClean="0"/>
-              <a:t>2/11/24</a:t>
+              <a:t>2/12/24</a:t>
             </a:fld>
             <a:endParaRPr lang="en-US"/>
           </a:p>
@@ -860,7 +866,7 @@
           <a:p>
             <a:fld id="{EC412541-AC93-7543-A5B1-0051797D0F3F}" type="datetimeFigureOut">
               <a:rPr lang="en-US" smtClean="0"/>
-              <a:t>2/11/24</a:t>
+              <a:t>2/12/24</a:t>
             </a:fld>
             <a:endParaRPr lang="en-US"/>
           </a:p>
@@ -1135,7 +1141,7 @@
           <a:p>
             <a:fld id="{EC412541-AC93-7543-A5B1-0051797D0F3F}" type="datetimeFigureOut">
               <a:rPr lang="en-US" smtClean="0"/>
-              <a:t>2/11/24</a:t>
+              <a:t>2/12/24</a:t>
             </a:fld>
             <a:endParaRPr lang="en-US"/>
           </a:p>
@@ -1400,7 +1406,7 @@
           <a:p>
             <a:fld id="{EC412541-AC93-7543-A5B1-0051797D0F3F}" type="datetimeFigureOut">
               <a:rPr lang="en-US" smtClean="0"/>
-              <a:t>2/11/24</a:t>
+              <a:t>2/12/24</a:t>
             </a:fld>
             <a:endParaRPr lang="en-US"/>
           </a:p>
@@ -1812,7 +1818,7 @@
           <a:p>
             <a:fld id="{EC412541-AC93-7543-A5B1-0051797D0F3F}" type="datetimeFigureOut">
               <a:rPr lang="en-US" smtClean="0"/>
-              <a:t>2/11/24</a:t>
+              <a:t>2/12/24</a:t>
             </a:fld>
             <a:endParaRPr lang="en-US"/>
           </a:p>
@@ -1953,7 +1959,7 @@
           <a:p>
             <a:fld id="{EC412541-AC93-7543-A5B1-0051797D0F3F}" type="datetimeFigureOut">
               <a:rPr lang="en-US" smtClean="0"/>
-              <a:t>2/11/24</a:t>
+              <a:t>2/12/24</a:t>
             </a:fld>
             <a:endParaRPr lang="en-US"/>
           </a:p>
@@ -2066,7 +2072,7 @@
           <a:p>
             <a:fld id="{EC412541-AC93-7543-A5B1-0051797D0F3F}" type="datetimeFigureOut">
               <a:rPr lang="en-US" smtClean="0"/>
-              <a:t>2/11/24</a:t>
+              <a:t>2/12/24</a:t>
             </a:fld>
             <a:endParaRPr lang="en-US"/>
           </a:p>
@@ -2377,7 +2383,7 @@
           <a:p>
             <a:fld id="{EC412541-AC93-7543-A5B1-0051797D0F3F}" type="datetimeFigureOut">
               <a:rPr lang="en-US" smtClean="0"/>
-              <a:t>2/11/24</a:t>
+              <a:t>2/12/24</a:t>
             </a:fld>
             <a:endParaRPr lang="en-US"/>
           </a:p>
@@ -2665,7 +2671,7 @@
           <a:p>
             <a:fld id="{EC412541-AC93-7543-A5B1-0051797D0F3F}" type="datetimeFigureOut">
               <a:rPr lang="en-US" smtClean="0"/>
-              <a:t>2/11/24</a:t>
+              <a:t>2/12/24</a:t>
             </a:fld>
             <a:endParaRPr lang="en-US"/>
           </a:p>
@@ -2906,7 +2912,7 @@
           <a:p>
             <a:fld id="{EC412541-AC93-7543-A5B1-0051797D0F3F}" type="datetimeFigureOut">
               <a:rPr lang="en-US" smtClean="0"/>
-              <a:t>2/11/24</a:t>
+              <a:t>2/12/24</a:t>
             </a:fld>
             <a:endParaRPr lang="en-US"/>
           </a:p>
@@ -5119,6 +5125,437 @@
     <p:extLst>
       <p:ext uri="{BB962C8B-B14F-4D97-AF65-F5344CB8AC3E}">
         <p14:creationId xmlns:p14="http://schemas.microsoft.com/office/powerpoint/2010/main" val="3097982624"/>
+      </p:ext>
+    </p:extLst>
+  </p:cSld>
+  <p:clrMapOvr>
+    <a:masterClrMapping/>
+  </p:clrMapOvr>
+</p:sld>
+</file>
+
+<file path=ppt/slides/slide4.xml><?xml version="1.0" encoding="utf-8"?>
+<p:sld xmlns:a="http://schemas.openxmlformats.org/drawingml/2006/main" xmlns:r="http://schemas.openxmlformats.org/officeDocument/2006/relationships" xmlns:p="http://schemas.openxmlformats.org/presentationml/2006/main">
+  <p:cSld>
+    <p:spTree>
+      <p:nvGrpSpPr>
+        <p:cNvPr id="1" name=""/>
+        <p:cNvGrpSpPr/>
+        <p:nvPr/>
+      </p:nvGrpSpPr>
+      <p:grpSpPr>
+        <a:xfrm>
+          <a:off x="0" y="0"/>
+          <a:ext cx="0" cy="0"/>
+          <a:chOff x="0" y="0"/>
+          <a:chExt cx="0" cy="0"/>
+        </a:xfrm>
+      </p:grpSpPr>
+      <p:sp>
+        <p:nvSpPr>
+          <p:cNvPr id="16" name="Rectangle 15">
+            <a:extLst>
+              <a:ext uri="{FF2B5EF4-FFF2-40B4-BE49-F238E27FC236}">
+                <a16:creationId xmlns:a16="http://schemas.microsoft.com/office/drawing/2014/main" id="{BB698DDB-70B5-D49F-2E32-28D2E465A520}"/>
+              </a:ext>
+            </a:extLst>
+          </p:cNvPr>
+          <p:cNvSpPr/>
+          <p:nvPr/>
+        </p:nvSpPr>
+        <p:spPr>
+          <a:xfrm>
+            <a:off x="554186" y="3791164"/>
+            <a:ext cx="8158299" cy="2363056"/>
+          </a:xfrm>
+          <a:prstGeom prst="rect">
+            <a:avLst/>
+          </a:prstGeom>
+          <a:solidFill>
+            <a:schemeClr val="tx1"/>
+          </a:solidFill>
+          <a:ln>
+            <a:noFill/>
+          </a:ln>
+        </p:spPr>
+        <p:style>
+          <a:lnRef idx="2">
+            <a:schemeClr val="accent1">
+              <a:shade val="15000"/>
+            </a:schemeClr>
+          </a:lnRef>
+          <a:fillRef idx="1">
+            <a:schemeClr val="accent1"/>
+          </a:fillRef>
+          <a:effectRef idx="0">
+            <a:schemeClr val="accent1"/>
+          </a:effectRef>
+          <a:fontRef idx="minor">
+            <a:schemeClr val="lt1"/>
+          </a:fontRef>
+        </p:style>
+        <p:txBody>
+          <a:bodyPr rtlCol="0" anchor="ctr"/>
+          <a:lstStyle/>
+          <a:p>
+            <a:pPr algn="ctr"/>
+            <a:endParaRPr lang="en-US"/>
+          </a:p>
+        </p:txBody>
+      </p:sp>
+      <p:sp>
+        <p:nvSpPr>
+          <p:cNvPr id="4" name="Rectangle 3">
+            <a:extLst>
+              <a:ext uri="{FF2B5EF4-FFF2-40B4-BE49-F238E27FC236}">
+                <a16:creationId xmlns:a16="http://schemas.microsoft.com/office/drawing/2014/main" id="{B01A7956-C148-89DD-207D-14C1767A1B02}"/>
+              </a:ext>
+            </a:extLst>
+          </p:cNvPr>
+          <p:cNvSpPr/>
+          <p:nvPr/>
+        </p:nvSpPr>
+        <p:spPr>
+          <a:xfrm>
+            <a:off x="1892530" y="4102471"/>
+            <a:ext cx="2118361" cy="1592580"/>
+          </a:xfrm>
+          <a:prstGeom prst="rect">
+            <a:avLst/>
+          </a:prstGeom>
+          <a:noFill/>
+          <a:ln w="76200">
+            <a:solidFill>
+              <a:schemeClr val="bg1"/>
+            </a:solidFill>
+          </a:ln>
+        </p:spPr>
+        <p:style>
+          <a:lnRef idx="2">
+            <a:schemeClr val="accent1">
+              <a:shade val="15000"/>
+            </a:schemeClr>
+          </a:lnRef>
+          <a:fillRef idx="1">
+            <a:schemeClr val="accent1"/>
+          </a:fillRef>
+          <a:effectRef idx="0">
+            <a:schemeClr val="accent1"/>
+          </a:effectRef>
+          <a:fontRef idx="minor">
+            <a:schemeClr val="lt1"/>
+          </a:fontRef>
+        </p:style>
+        <p:txBody>
+          <a:bodyPr rtlCol="0" anchor="ctr"/>
+          <a:lstStyle/>
+          <a:p>
+            <a:pPr algn="ctr"/>
+            <a:endParaRPr lang="en-US"/>
+          </a:p>
+        </p:txBody>
+      </p:sp>
+      <p:grpSp>
+        <p:nvGrpSpPr>
+          <p:cNvPr id="18" name="Group 17">
+            <a:extLst>
+              <a:ext uri="{FF2B5EF4-FFF2-40B4-BE49-F238E27FC236}">
+                <a16:creationId xmlns:a16="http://schemas.microsoft.com/office/drawing/2014/main" id="{5DACA8AD-9552-E89C-9727-2EE3C52D6476}"/>
+              </a:ext>
+            </a:extLst>
+          </p:cNvPr>
+          <p:cNvGrpSpPr/>
+          <p:nvPr/>
+        </p:nvGrpSpPr>
+        <p:grpSpPr>
+          <a:xfrm>
+            <a:off x="1892529" y="1588148"/>
+            <a:ext cx="2118361" cy="1592580"/>
+            <a:chOff x="1892529" y="1588148"/>
+            <a:chExt cx="2118361" cy="1592580"/>
+          </a:xfrm>
+        </p:grpSpPr>
+        <p:pic>
+          <p:nvPicPr>
+            <p:cNvPr id="7" name="Picture 6" descr="A black background with a black square&#10;&#10;Description automatically generated with medium confidence">
+              <a:extLst>
+                <a:ext uri="{FF2B5EF4-FFF2-40B4-BE49-F238E27FC236}">
+                  <a16:creationId xmlns:a16="http://schemas.microsoft.com/office/drawing/2014/main" id="{8B426842-E437-D4F8-59C4-0F532DFA3BC6}"/>
+                </a:ext>
+              </a:extLst>
+            </p:cNvPr>
+            <p:cNvPicPr>
+              <a:picLocks noChangeAspect="1"/>
+            </p:cNvPicPr>
+            <p:nvPr/>
+          </p:nvPicPr>
+          <p:blipFill rotWithShape="1">
+            <a:blip r:embed="rId2">
+              <a:extLst>
+                <a:ext uri="{BEBA8EAE-BF5A-486C-A8C5-ECC9F3942E4B}">
+                  <a14:imgProps xmlns:a14="http://schemas.microsoft.com/office/drawing/2010/main">
+                    <a14:imgLayer r:embed="rId3">
+                      <a14:imgEffect>
+                        <a14:artisticPencilSketch/>
+                      </a14:imgEffect>
+                    </a14:imgLayer>
+                  </a14:imgProps>
+                </a:ext>
+              </a:extLst>
+            </a:blip>
+            <a:srcRect l="26652" t="23992" r="40366" b="36392"/>
+            <a:stretch/>
+          </p:blipFill>
+          <p:spPr>
+            <a:xfrm>
+              <a:off x="2015936" y="1854110"/>
+              <a:ext cx="1109994" cy="1217570"/>
+            </a:xfrm>
+            <a:prstGeom prst="rect">
+              <a:avLst/>
+            </a:prstGeom>
+          </p:spPr>
+        </p:pic>
+        <p:pic>
+          <p:nvPicPr>
+            <p:cNvPr id="8" name="Picture 7" descr="A black background with a black square&#10;&#10;Description automatically generated with medium confidence">
+              <a:extLst>
+                <a:ext uri="{FF2B5EF4-FFF2-40B4-BE49-F238E27FC236}">
+                  <a16:creationId xmlns:a16="http://schemas.microsoft.com/office/drawing/2014/main" id="{E53E9DB5-CD0E-411A-97E3-78EFA8F8E695}"/>
+                </a:ext>
+              </a:extLst>
+            </p:cNvPr>
+            <p:cNvPicPr>
+              <a:picLocks noChangeAspect="1"/>
+            </p:cNvPicPr>
+            <p:nvPr/>
+          </p:nvPicPr>
+          <p:blipFill rotWithShape="1">
+            <a:blip r:embed="rId2">
+              <a:extLst>
+                <a:ext uri="{BEBA8EAE-BF5A-486C-A8C5-ECC9F3942E4B}">
+                  <a14:imgProps xmlns:a14="http://schemas.microsoft.com/office/drawing/2010/main">
+                    <a14:imgLayer r:embed="rId4">
+                      <a14:imgEffect>
+                        <a14:artisticPencilSketch/>
+                      </a14:imgEffect>
+                    </a14:imgLayer>
+                  </a14:imgProps>
+                </a:ext>
+              </a:extLst>
+            </a:blip>
+            <a:srcRect l="26652" t="23992" r="40366" b="36392"/>
+            <a:stretch/>
+          </p:blipFill>
+          <p:spPr>
+            <a:xfrm>
+              <a:off x="3203736" y="1678077"/>
+              <a:ext cx="580258" cy="636494"/>
+            </a:xfrm>
+            <a:prstGeom prst="rect">
+              <a:avLst/>
+            </a:prstGeom>
+          </p:spPr>
+        </p:pic>
+        <p:cxnSp>
+          <p:nvCxnSpPr>
+            <p:cNvPr id="10" name="Straight Connector 9">
+              <a:extLst>
+                <a:ext uri="{FF2B5EF4-FFF2-40B4-BE49-F238E27FC236}">
+                  <a16:creationId xmlns:a16="http://schemas.microsoft.com/office/drawing/2014/main" id="{66369DA7-BFD7-81A0-53FA-4F54C5C16943}"/>
+                </a:ext>
+              </a:extLst>
+            </p:cNvPr>
+            <p:cNvCxnSpPr/>
+            <p:nvPr/>
+          </p:nvCxnSpPr>
+          <p:spPr>
+            <a:xfrm>
+              <a:off x="3203736" y="2363468"/>
+              <a:ext cx="580258" cy="0"/>
+            </a:xfrm>
+            <a:prstGeom prst="line">
+              <a:avLst/>
+            </a:prstGeom>
+            <a:ln w="76200" cap="rnd">
+              <a:solidFill>
+                <a:srgbClr val="00B0F0"/>
+              </a:solidFill>
+            </a:ln>
+          </p:spPr>
+          <p:style>
+            <a:lnRef idx="2">
+              <a:schemeClr val="accent1"/>
+            </a:lnRef>
+            <a:fillRef idx="0">
+              <a:schemeClr val="accent1"/>
+            </a:fillRef>
+            <a:effectRef idx="1">
+              <a:schemeClr val="accent1"/>
+            </a:effectRef>
+            <a:fontRef idx="minor">
+              <a:schemeClr val="tx1"/>
+            </a:fontRef>
+          </p:style>
+        </p:cxnSp>
+        <p:sp>
+          <p:nvSpPr>
+            <p:cNvPr id="15" name="Rectangle 14">
+              <a:extLst>
+                <a:ext uri="{FF2B5EF4-FFF2-40B4-BE49-F238E27FC236}">
+                  <a16:creationId xmlns:a16="http://schemas.microsoft.com/office/drawing/2014/main" id="{A7B91E56-5C9F-0EF5-8EF8-DBB9936FFC66}"/>
+                </a:ext>
+              </a:extLst>
+            </p:cNvPr>
+            <p:cNvSpPr/>
+            <p:nvPr/>
+          </p:nvSpPr>
+          <p:spPr>
+            <a:xfrm>
+              <a:off x="1892529" y="1588148"/>
+              <a:ext cx="2118361" cy="1592580"/>
+            </a:xfrm>
+            <a:prstGeom prst="rect">
+              <a:avLst/>
+            </a:prstGeom>
+            <a:noFill/>
+            <a:ln w="76200">
+              <a:solidFill>
+                <a:schemeClr val="tx1"/>
+              </a:solidFill>
+            </a:ln>
+          </p:spPr>
+          <p:style>
+            <a:lnRef idx="2">
+              <a:schemeClr val="accent1">
+                <a:shade val="15000"/>
+              </a:schemeClr>
+            </a:lnRef>
+            <a:fillRef idx="1">
+              <a:schemeClr val="accent1"/>
+            </a:fillRef>
+            <a:effectRef idx="0">
+              <a:schemeClr val="accent1"/>
+            </a:effectRef>
+            <a:fontRef idx="minor">
+              <a:schemeClr val="lt1"/>
+            </a:fontRef>
+          </p:style>
+          <p:txBody>
+            <a:bodyPr rtlCol="0" anchor="ctr"/>
+            <a:lstStyle/>
+            <a:p>
+              <a:pPr algn="ctr"/>
+              <a:endParaRPr lang="en-US"/>
+            </a:p>
+          </p:txBody>
+        </p:sp>
+      </p:grpSp>
+      <p:cxnSp>
+        <p:nvCxnSpPr>
+          <p:cNvPr id="32" name="Straight Connector 31">
+            <a:extLst>
+              <a:ext uri="{FF2B5EF4-FFF2-40B4-BE49-F238E27FC236}">
+                <a16:creationId xmlns:a16="http://schemas.microsoft.com/office/drawing/2014/main" id="{6BB1B6F1-FB10-C58C-298E-F9025A943CD0}"/>
+              </a:ext>
+            </a:extLst>
+          </p:cNvPr>
+          <p:cNvCxnSpPr/>
+          <p:nvPr/>
+        </p:nvCxnSpPr>
+        <p:spPr>
+          <a:xfrm>
+            <a:off x="3203735" y="4881216"/>
+            <a:ext cx="580258" cy="0"/>
+          </a:xfrm>
+          <a:prstGeom prst="line">
+            <a:avLst/>
+          </a:prstGeom>
+          <a:ln w="76200" cap="rnd">
+            <a:solidFill>
+              <a:srgbClr val="00B0F0"/>
+            </a:solidFill>
+          </a:ln>
+        </p:spPr>
+        <p:style>
+          <a:lnRef idx="2">
+            <a:schemeClr val="accent1"/>
+          </a:lnRef>
+          <a:fillRef idx="0">
+            <a:schemeClr val="accent1"/>
+          </a:fillRef>
+          <a:effectRef idx="1">
+            <a:schemeClr val="accent1"/>
+          </a:effectRef>
+          <a:fontRef idx="minor">
+            <a:schemeClr val="tx1"/>
+          </a:fontRef>
+        </p:style>
+      </p:cxnSp>
+      <p:pic>
+        <p:nvPicPr>
+          <p:cNvPr id="35" name="Picture 34" descr="A white letter on a black background&#10;&#10;Description automatically generated">
+            <a:extLst>
+              <a:ext uri="{FF2B5EF4-FFF2-40B4-BE49-F238E27FC236}">
+                <a16:creationId xmlns:a16="http://schemas.microsoft.com/office/drawing/2014/main" id="{503C8273-8777-8488-18AB-FE9E26448287}"/>
+              </a:ext>
+            </a:extLst>
+          </p:cNvPr>
+          <p:cNvPicPr>
+            <a:picLocks noChangeAspect="1"/>
+          </p:cNvPicPr>
+          <p:nvPr/>
+        </p:nvPicPr>
+        <p:blipFill>
+          <a:blip r:embed="rId5"/>
+          <a:stretch>
+            <a:fillRect/>
+          </a:stretch>
+        </p:blipFill>
+        <p:spPr>
+          <a:xfrm>
+            <a:off x="3209673" y="4195846"/>
+            <a:ext cx="583434" cy="636473"/>
+          </a:xfrm>
+          <a:prstGeom prst="rect">
+            <a:avLst/>
+          </a:prstGeom>
+        </p:spPr>
+      </p:pic>
+      <p:pic>
+        <p:nvPicPr>
+          <p:cNvPr id="36" name="Picture 35" descr="A white letter on a black background&#10;&#10;Description automatically generated">
+            <a:extLst>
+              <a:ext uri="{FF2B5EF4-FFF2-40B4-BE49-F238E27FC236}">
+                <a16:creationId xmlns:a16="http://schemas.microsoft.com/office/drawing/2014/main" id="{9A3DBB2B-56C6-1AF1-5946-19DAFBFDEBBC}"/>
+              </a:ext>
+            </a:extLst>
+          </p:cNvPr>
+          <p:cNvPicPr>
+            <a:picLocks noChangeAspect="1"/>
+          </p:cNvPicPr>
+          <p:nvPr/>
+        </p:nvPicPr>
+        <p:blipFill>
+          <a:blip r:embed="rId5"/>
+          <a:stretch>
+            <a:fillRect/>
+          </a:stretch>
+        </p:blipFill>
+        <p:spPr>
+          <a:xfrm>
+            <a:off x="2022489" y="4380234"/>
+            <a:ext cx="1117600" cy="1219200"/>
+          </a:xfrm>
+          <a:prstGeom prst="rect">
+            <a:avLst/>
+          </a:prstGeom>
+        </p:spPr>
+      </p:pic>
+    </p:spTree>
+    <p:extLst>
+      <p:ext uri="{BB962C8B-B14F-4D97-AF65-F5344CB8AC3E}">
+        <p14:creationId xmlns:p14="http://schemas.microsoft.com/office/powerpoint/2010/main" val="680141462"/>
       </p:ext>
     </p:extLst>
   </p:cSld>

--- a/sketchbook.pptx
+++ b/sketchbook.pptx
@@ -5553,6 +5553,56 @@
           </a:prstGeom>
         </p:spPr>
       </p:pic>
+      <p:sp>
+        <p:nvSpPr>
+          <p:cNvPr id="2" name="Rectangle 1">
+            <a:extLst>
+              <a:ext uri="{FF2B5EF4-FFF2-40B4-BE49-F238E27FC236}">
+                <a16:creationId xmlns:a16="http://schemas.microsoft.com/office/drawing/2014/main" id="{ED6CF507-2933-4159-7F1B-03B977792D25}"/>
+              </a:ext>
+            </a:extLst>
+          </p:cNvPr>
+          <p:cNvSpPr/>
+          <p:nvPr/>
+        </p:nvSpPr>
+        <p:spPr>
+          <a:xfrm>
+            <a:off x="1580109" y="1012838"/>
+            <a:ext cx="2743200" cy="2743200"/>
+          </a:xfrm>
+          <a:prstGeom prst="rect">
+            <a:avLst/>
+          </a:prstGeom>
+          <a:noFill/>
+          <a:ln>
+            <a:noFill/>
+          </a:ln>
+        </p:spPr>
+        <p:style>
+          <a:lnRef idx="2">
+            <a:schemeClr val="accent1">
+              <a:shade val="15000"/>
+            </a:schemeClr>
+          </a:lnRef>
+          <a:fillRef idx="1">
+            <a:schemeClr val="accent1"/>
+          </a:fillRef>
+          <a:effectRef idx="0">
+            <a:schemeClr val="accent1"/>
+          </a:effectRef>
+          <a:fontRef idx="minor">
+            <a:schemeClr val="lt1"/>
+          </a:fontRef>
+        </p:style>
+        <p:txBody>
+          <a:bodyPr rtlCol="0" anchor="ctr"/>
+          <a:lstStyle/>
+          <a:p>
+            <a:pPr algn="ctr"/>
+            <a:endParaRPr lang="en-US"/>
+          </a:p>
+        </p:txBody>
+      </p:sp>
     </p:spTree>
     <p:extLst>
       <p:ext uri="{BB962C8B-B14F-4D97-AF65-F5344CB8AC3E}">
